--- a/Daily Agendas/Day4.1_ProgrammingLesson.pptx
+++ b/Daily Agendas/Day4.1_ProgrammingLesson.pptx
@@ -106,7 +106,7 @@
   </p:defaultTextStyle>
   <p:extLst>
     <p:ext uri="{EFAFB233-063F-42B5-8137-9DF3F51BA10A}">
-      <p15:sldGuideLst xmlns:p15="http://schemas.microsoft.com/office/powerpoint/2012/main" xmlns="">
+      <p15:sldGuideLst xmlns:p15="http://schemas.microsoft.com/office/powerpoint/2012/main">
         <p15:guide id="1" orient="horz" pos="2160">
           <p15:clr>
             <a:srgbClr val="A4A3A4"/>
@@ -303,7 +303,7 @@
             <a:fld id="{1D8BD707-D9CF-40AE-B4C6-C98DA3205C09}" type="datetimeFigureOut">
               <a:rPr lang="en-US" smtClean="0"/>
               <a:pPr/>
-              <a:t>2/24/2019</a:t>
+              <a:t>2/26/2019</a:t>
             </a:fld>
             <a:endParaRPr lang="en-US"/>
           </a:p>
@@ -468,7 +468,7 @@
             <a:fld id="{1D8BD707-D9CF-40AE-B4C6-C98DA3205C09}" type="datetimeFigureOut">
               <a:rPr lang="en-US" smtClean="0"/>
               <a:pPr/>
-              <a:t>2/24/2019</a:t>
+              <a:t>2/26/2019</a:t>
             </a:fld>
             <a:endParaRPr lang="en-US"/>
           </a:p>
@@ -643,7 +643,7 @@
             <a:fld id="{1D8BD707-D9CF-40AE-B4C6-C98DA3205C09}" type="datetimeFigureOut">
               <a:rPr lang="en-US" smtClean="0"/>
               <a:pPr/>
-              <a:t>2/24/2019</a:t>
+              <a:t>2/26/2019</a:t>
             </a:fld>
             <a:endParaRPr lang="en-US"/>
           </a:p>
@@ -808,7 +808,7 @@
             <a:fld id="{1D8BD707-D9CF-40AE-B4C6-C98DA3205C09}" type="datetimeFigureOut">
               <a:rPr lang="en-US" smtClean="0"/>
               <a:pPr/>
-              <a:t>2/24/2019</a:t>
+              <a:t>2/26/2019</a:t>
             </a:fld>
             <a:endParaRPr lang="en-US"/>
           </a:p>
@@ -1050,7 +1050,7 @@
             <a:fld id="{1D8BD707-D9CF-40AE-B4C6-C98DA3205C09}" type="datetimeFigureOut">
               <a:rPr lang="en-US" smtClean="0"/>
               <a:pPr/>
-              <a:t>2/24/2019</a:t>
+              <a:t>2/26/2019</a:t>
             </a:fld>
             <a:endParaRPr lang="en-US"/>
           </a:p>
@@ -1332,7 +1332,7 @@
             <a:fld id="{1D8BD707-D9CF-40AE-B4C6-C98DA3205C09}" type="datetimeFigureOut">
               <a:rPr lang="en-US" smtClean="0"/>
               <a:pPr/>
-              <a:t>2/24/2019</a:t>
+              <a:t>2/26/2019</a:t>
             </a:fld>
             <a:endParaRPr lang="en-US"/>
           </a:p>
@@ -1748,7 +1748,7 @@
             <a:fld id="{1D8BD707-D9CF-40AE-B4C6-C98DA3205C09}" type="datetimeFigureOut">
               <a:rPr lang="en-US" smtClean="0"/>
               <a:pPr/>
-              <a:t>2/24/2019</a:t>
+              <a:t>2/26/2019</a:t>
             </a:fld>
             <a:endParaRPr lang="en-US"/>
           </a:p>
@@ -1862,7 +1862,7 @@
             <a:fld id="{1D8BD707-D9CF-40AE-B4C6-C98DA3205C09}" type="datetimeFigureOut">
               <a:rPr lang="en-US" smtClean="0"/>
               <a:pPr/>
-              <a:t>2/24/2019</a:t>
+              <a:t>2/26/2019</a:t>
             </a:fld>
             <a:endParaRPr lang="en-US"/>
           </a:p>
@@ -1954,7 +1954,7 @@
             <a:fld id="{1D8BD707-D9CF-40AE-B4C6-C98DA3205C09}" type="datetimeFigureOut">
               <a:rPr lang="en-US" smtClean="0"/>
               <a:pPr/>
-              <a:t>2/24/2019</a:t>
+              <a:t>2/26/2019</a:t>
             </a:fld>
             <a:endParaRPr lang="en-US"/>
           </a:p>
@@ -2226,7 +2226,7 @@
             <a:fld id="{1D8BD707-D9CF-40AE-B4C6-C98DA3205C09}" type="datetimeFigureOut">
               <a:rPr lang="en-US" smtClean="0"/>
               <a:pPr/>
-              <a:t>2/24/2019</a:t>
+              <a:t>2/26/2019</a:t>
             </a:fld>
             <a:endParaRPr lang="en-US"/>
           </a:p>
@@ -2475,7 +2475,7 @@
             <a:fld id="{1D8BD707-D9CF-40AE-B4C6-C98DA3205C09}" type="datetimeFigureOut">
               <a:rPr lang="en-US" smtClean="0"/>
               <a:pPr/>
-              <a:t>2/24/2019</a:t>
+              <a:t>2/26/2019</a:t>
             </a:fld>
             <a:endParaRPr lang="en-US"/>
           </a:p>
@@ -2683,7 +2683,7 @@
             <a:fld id="{1D8BD707-D9CF-40AE-B4C6-C98DA3205C09}" type="datetimeFigureOut">
               <a:rPr lang="en-US" smtClean="0"/>
               <a:pPr/>
-              <a:t>2/24/2019</a:t>
+              <a:t>2/26/2019</a:t>
             </a:fld>
             <a:endParaRPr lang="en-US"/>
           </a:p>
@@ -3071,11 +3071,7 @@
           <a:p>
             <a:r>
               <a:rPr lang="en-US" dirty="0" smtClean="0"/>
-              <a:t>Programming Lesson</a:t>
-            </a:r>
-            <a:r>
-              <a:rPr lang="en-US" dirty="0" smtClean="0"/>
-              <a:t> </a:t>
+              <a:t>Programming Lesson </a:t>
             </a:r>
             <a:r>
               <a:rPr lang="en-US" dirty="0"/>
@@ -3083,11 +3079,7 @@
             </a:r>
             <a:r>
               <a:rPr lang="en-US" dirty="0" smtClean="0"/>
-              <a:t>Feb </a:t>
-            </a:r>
-            <a:r>
-              <a:rPr lang="en-US" dirty="0" smtClean="0"/>
-              <a:t>25</a:t>
+              <a:t>Feb 25</a:t>
             </a:r>
             <a:endParaRPr lang="en-US" dirty="0"/>
           </a:p>
@@ -3119,14 +3111,23 @@
             <a:pPr lvl="1"/>
             <a:r>
               <a:rPr lang="en-US" dirty="0" smtClean="0"/>
-              <a:t>Basic Python Programming</a:t>
-            </a:r>
+              <a:t>Basic Python </a:t>
+            </a:r>
+            <a:r>
+              <a:rPr lang="en-US" dirty="0" smtClean="0"/>
+              <a:t>Programming </a:t>
+            </a:r>
+            <a:r>
+              <a:rPr lang="en-US" smtClean="0"/>
+              <a:t>(Topic B)</a:t>
+            </a:r>
+            <a:endParaRPr lang="en-US" dirty="0" smtClean="0"/>
           </a:p>
           <a:p>
             <a:pPr lvl="2"/>
             <a:r>
               <a:rPr lang="en-US" dirty="0" smtClean="0"/>
-              <a:t>Presentation</a:t>
+              <a:t>Presentation – Variables &amp; Data Types</a:t>
             </a:r>
           </a:p>
           <a:p>
@@ -3135,7 +3136,6 @@
               <a:rPr lang="en-US" dirty="0" smtClean="0"/>
               <a:t>Student Note</a:t>
             </a:r>
-            <a:endParaRPr lang="en-US" dirty="0" smtClean="0"/>
           </a:p>
           <a:p>
             <a:pPr lvl="1"/>
@@ -3143,7 +3143,6 @@
               <a:rPr lang="en-US" dirty="0" smtClean="0"/>
               <a:t>Marks Spreadsheet</a:t>
             </a:r>
-            <a:endParaRPr lang="en-US" dirty="0" smtClean="0"/>
           </a:p>
           <a:p>
             <a:pPr lvl="2"/>
@@ -3151,7 +3150,6 @@
               <a:rPr lang="en-CA" dirty="0" smtClean="0"/>
               <a:t>Catch Up on Previous Work</a:t>
             </a:r>
-            <a:endParaRPr lang="en-CA" dirty="0" smtClean="0"/>
           </a:p>
           <a:p>
             <a:pPr lvl="1">
